--- a/随机整数排序.pptx
+++ b/随机整数排序.pptx
@@ -247,7 +247,7 @@
           <a:p>
             <a:fld id="{E30D85BF-B191-48CA-9728-20FF71D3A776}" type="datetimeFigureOut">
               <a:rPr lang="zh-CN" altLang="en-US" smtClean="0"/>
-              <a:t>2018/11/23</a:t>
+              <a:t>2018/11/24</a:t>
             </a:fld>
             <a:endParaRPr lang="zh-CN" altLang="en-US"/>
           </a:p>
@@ -3835,7 +3835,7 @@
           <a:p>
             <a:fld id="{CCA087C5-6DBF-488C-AE10-CBC1E42CD670}" type="datetimeFigureOut">
               <a:rPr lang="zh-CN" altLang="en-US" smtClean="0"/>
-              <a:t>2018/11/23</a:t>
+              <a:t>2018/11/24</a:t>
             </a:fld>
             <a:endParaRPr lang="zh-CN" altLang="en-US"/>
           </a:p>
@@ -4043,7 +4043,7 @@
           <a:p>
             <a:fld id="{CCA087C5-6DBF-488C-AE10-CBC1E42CD670}" type="datetimeFigureOut">
               <a:rPr lang="zh-CN" altLang="en-US" smtClean="0"/>
-              <a:t>2018/11/23</a:t>
+              <a:t>2018/11/24</a:t>
             </a:fld>
             <a:endParaRPr lang="zh-CN" altLang="en-US"/>
           </a:p>
@@ -4241,7 +4241,7 @@
           <a:p>
             <a:fld id="{CCA087C5-6DBF-488C-AE10-CBC1E42CD670}" type="datetimeFigureOut">
               <a:rPr lang="zh-CN" altLang="en-US" smtClean="0"/>
-              <a:t>2018/11/23</a:t>
+              <a:t>2018/11/24</a:t>
             </a:fld>
             <a:endParaRPr lang="zh-CN" altLang="en-US"/>
           </a:p>
@@ -4516,7 +4516,7 @@
           <a:p>
             <a:fld id="{CCA087C5-6DBF-488C-AE10-CBC1E42CD670}" type="datetimeFigureOut">
               <a:rPr lang="zh-CN" altLang="en-US" smtClean="0"/>
-              <a:t>2018/11/23</a:t>
+              <a:t>2018/11/24</a:t>
             </a:fld>
             <a:endParaRPr lang="zh-CN" altLang="en-US"/>
           </a:p>
@@ -4781,7 +4781,7 @@
           <a:p>
             <a:fld id="{CCA087C5-6DBF-488C-AE10-CBC1E42CD670}" type="datetimeFigureOut">
               <a:rPr lang="zh-CN" altLang="en-US" smtClean="0"/>
-              <a:t>2018/11/23</a:t>
+              <a:t>2018/11/24</a:t>
             </a:fld>
             <a:endParaRPr lang="zh-CN" altLang="en-US"/>
           </a:p>
@@ -5193,7 +5193,7 @@
           <a:p>
             <a:fld id="{CCA087C5-6DBF-488C-AE10-CBC1E42CD670}" type="datetimeFigureOut">
               <a:rPr lang="zh-CN" altLang="en-US" smtClean="0"/>
-              <a:t>2018/11/23</a:t>
+              <a:t>2018/11/24</a:t>
             </a:fld>
             <a:endParaRPr lang="zh-CN" altLang="en-US"/>
           </a:p>
@@ -5889,7 +5889,7 @@
           <a:p>
             <a:fld id="{CCA087C5-6DBF-488C-AE10-CBC1E42CD670}" type="datetimeFigureOut">
               <a:rPr lang="zh-CN" altLang="en-US" smtClean="0"/>
-              <a:t>2018/11/23</a:t>
+              <a:t>2018/11/24</a:t>
             </a:fld>
             <a:endParaRPr lang="zh-CN" altLang="en-US"/>
           </a:p>
@@ -6002,7 +6002,7 @@
           <a:p>
             <a:fld id="{CCA087C5-6DBF-488C-AE10-CBC1E42CD670}" type="datetimeFigureOut">
               <a:rPr lang="zh-CN" altLang="en-US" smtClean="0"/>
-              <a:t>2018/11/23</a:t>
+              <a:t>2018/11/24</a:t>
             </a:fld>
             <a:endParaRPr lang="zh-CN" altLang="en-US"/>
           </a:p>
@@ -6313,7 +6313,7 @@
           <a:p>
             <a:fld id="{CCA087C5-6DBF-488C-AE10-CBC1E42CD670}" type="datetimeFigureOut">
               <a:rPr lang="zh-CN" altLang="en-US" smtClean="0"/>
-              <a:t>2018/11/23</a:t>
+              <a:t>2018/11/24</a:t>
             </a:fld>
             <a:endParaRPr lang="zh-CN" altLang="en-US"/>
           </a:p>
@@ -6601,7 +6601,7 @@
           <a:p>
             <a:fld id="{CCA087C5-6DBF-488C-AE10-CBC1E42CD670}" type="datetimeFigureOut">
               <a:rPr lang="zh-CN" altLang="en-US" smtClean="0"/>
-              <a:t>2018/11/23</a:t>
+              <a:t>2018/11/24</a:t>
             </a:fld>
             <a:endParaRPr lang="zh-CN" altLang="en-US"/>
           </a:p>
@@ -6855,7 +6855,7 @@
           <a:p>
             <a:fld id="{CCA087C5-6DBF-488C-AE10-CBC1E42CD670}" type="datetimeFigureOut">
               <a:rPr lang="zh-CN" altLang="en-US" smtClean="0"/>
-              <a:t>2018/11/23</a:t>
+              <a:t>2018/11/24</a:t>
             </a:fld>
             <a:endParaRPr lang="zh-CN" altLang="en-US"/>
           </a:p>
@@ -27890,7 +27890,7 @@
               <a:t> </a:t>
             </a:r>
             <a:r>
-              <a:rPr lang="en-US" altLang="zh-CN" sz="1600" dirty="0">
+              <a:rPr lang="en-US" altLang="zh-CN" sz="1600">
                 <a:solidFill>
                   <a:srgbClr val="D19A66"/>
                 </a:solidFill>
@@ -27899,7 +27899,7 @@
               <a:t>2</a:t>
             </a:r>
             <a:r>
-              <a:rPr lang="en-US" altLang="zh-CN" sz="1600" dirty="0">
+              <a:rPr lang="en-US" altLang="zh-CN" sz="1600">
                 <a:solidFill>
                   <a:srgbClr val="BBBBBB"/>
                 </a:solidFill>
@@ -27908,16 +27908,16 @@
               <a:t> </a:t>
             </a:r>
             <a:r>
-              <a:rPr lang="en-US" altLang="zh-CN" sz="1600" dirty="0">
+              <a:rPr lang="en-US" altLang="zh-CN" sz="1600">
                 <a:solidFill>
                   <a:srgbClr val="C678DD"/>
                 </a:solidFill>
                 <a:latin typeface="Consolas" panose="020B0609020204030204" pitchFamily="49" charset="0"/>
               </a:rPr>
-              <a:t>+</a:t>
-            </a:r>
-            <a:r>
-              <a:rPr lang="en-US" altLang="zh-CN" sz="1600" dirty="0">
+              <a:t>-</a:t>
+            </a:r>
+            <a:r>
+              <a:rPr lang="en-US" altLang="zh-CN" sz="1600">
                 <a:solidFill>
                   <a:srgbClr val="BBBBBB"/>
                 </a:solidFill>
